--- a/Figures/manually_created_plots/manually_created_figures .pptx
+++ b/Figures/manually_created_plots/manually_created_figures .pptx
@@ -201,7 +201,7 @@
           <a:p>
             <a:fld id="{3D79C78D-BEE0-3E48-B401-2B1A9A747922}" type="datetimeFigureOut">
               <a:rPr lang="en-US" smtClean="0"/>
-              <a:t>10/5/22</a:t>
+              <a:t>10/20/22</a:t>
             </a:fld>
             <a:endParaRPr lang="en-US"/>
           </a:p>
@@ -782,7 +782,7 @@
           <a:p>
             <a:fld id="{020234D1-918D-A04F-ADE0-AF041D21BD3B}" type="datetimeFigureOut">
               <a:rPr lang="en-US" smtClean="0"/>
-              <a:t>10/5/22</a:t>
+              <a:t>10/20/22</a:t>
             </a:fld>
             <a:endParaRPr lang="en-US"/>
           </a:p>
@@ -952,7 +952,7 @@
           <a:p>
             <a:fld id="{020234D1-918D-A04F-ADE0-AF041D21BD3B}" type="datetimeFigureOut">
               <a:rPr lang="en-US" smtClean="0"/>
-              <a:t>10/5/22</a:t>
+              <a:t>10/20/22</a:t>
             </a:fld>
             <a:endParaRPr lang="en-US"/>
           </a:p>
@@ -1132,7 +1132,7 @@
           <a:p>
             <a:fld id="{020234D1-918D-A04F-ADE0-AF041D21BD3B}" type="datetimeFigureOut">
               <a:rPr lang="en-US" smtClean="0"/>
-              <a:t>10/5/22</a:t>
+              <a:t>10/20/22</a:t>
             </a:fld>
             <a:endParaRPr lang="en-US"/>
           </a:p>
@@ -1302,7 +1302,7 @@
           <a:p>
             <a:fld id="{020234D1-918D-A04F-ADE0-AF041D21BD3B}" type="datetimeFigureOut">
               <a:rPr lang="en-US" smtClean="0"/>
-              <a:t>10/5/22</a:t>
+              <a:t>10/20/22</a:t>
             </a:fld>
             <a:endParaRPr lang="en-US"/>
           </a:p>
@@ -1548,7 +1548,7 @@
           <a:p>
             <a:fld id="{020234D1-918D-A04F-ADE0-AF041D21BD3B}" type="datetimeFigureOut">
               <a:rPr lang="en-US" smtClean="0"/>
-              <a:t>10/5/22</a:t>
+              <a:t>10/20/22</a:t>
             </a:fld>
             <a:endParaRPr lang="en-US"/>
           </a:p>
@@ -1780,7 +1780,7 @@
           <a:p>
             <a:fld id="{020234D1-918D-A04F-ADE0-AF041D21BD3B}" type="datetimeFigureOut">
               <a:rPr lang="en-US" smtClean="0"/>
-              <a:t>10/5/22</a:t>
+              <a:t>10/20/22</a:t>
             </a:fld>
             <a:endParaRPr lang="en-US"/>
           </a:p>
@@ -2147,7 +2147,7 @@
           <a:p>
             <a:fld id="{020234D1-918D-A04F-ADE0-AF041D21BD3B}" type="datetimeFigureOut">
               <a:rPr lang="en-US" smtClean="0"/>
-              <a:t>10/5/22</a:t>
+              <a:t>10/20/22</a:t>
             </a:fld>
             <a:endParaRPr lang="en-US"/>
           </a:p>
@@ -2265,7 +2265,7 @@
           <a:p>
             <a:fld id="{020234D1-918D-A04F-ADE0-AF041D21BD3B}" type="datetimeFigureOut">
               <a:rPr lang="en-US" smtClean="0"/>
-              <a:t>10/5/22</a:t>
+              <a:t>10/20/22</a:t>
             </a:fld>
             <a:endParaRPr lang="en-US"/>
           </a:p>
@@ -2360,7 +2360,7 @@
           <a:p>
             <a:fld id="{020234D1-918D-A04F-ADE0-AF041D21BD3B}" type="datetimeFigureOut">
               <a:rPr lang="en-US" smtClean="0"/>
-              <a:t>10/5/22</a:t>
+              <a:t>10/20/22</a:t>
             </a:fld>
             <a:endParaRPr lang="en-US"/>
           </a:p>
@@ -2637,7 +2637,7 @@
           <a:p>
             <a:fld id="{020234D1-918D-A04F-ADE0-AF041D21BD3B}" type="datetimeFigureOut">
               <a:rPr lang="en-US" smtClean="0"/>
-              <a:t>10/5/22</a:t>
+              <a:t>10/20/22</a:t>
             </a:fld>
             <a:endParaRPr lang="en-US"/>
           </a:p>
@@ -2894,7 +2894,7 @@
           <a:p>
             <a:fld id="{020234D1-918D-A04F-ADE0-AF041D21BD3B}" type="datetimeFigureOut">
               <a:rPr lang="en-US" smtClean="0"/>
-              <a:t>10/5/22</a:t>
+              <a:t>10/20/22</a:t>
             </a:fld>
             <a:endParaRPr lang="en-US"/>
           </a:p>
@@ -3107,7 +3107,7 @@
           <a:p>
             <a:fld id="{020234D1-918D-A04F-ADE0-AF041D21BD3B}" type="datetimeFigureOut">
               <a:rPr lang="en-US" smtClean="0"/>
-              <a:t>10/5/22</a:t>
+              <a:t>10/20/22</a:t>
             </a:fld>
             <a:endParaRPr lang="en-US"/>
           </a:p>
@@ -6161,10 +6161,10 @@
       </p:grpSpPr>
       <p:pic>
         <p:nvPicPr>
-          <p:cNvPr id="5" name="Picture 4" descr="Chart, box and whisker chart&#10;&#10;Description automatically generated">
+          <p:cNvPr id="3" name="Picture 2" descr="Chart, box and whisker chart&#10;&#10;Description automatically generated">
             <a:extLst>
               <a:ext uri="{FF2B5EF4-FFF2-40B4-BE49-F238E27FC236}">
-                <a16:creationId xmlns:a16="http://schemas.microsoft.com/office/drawing/2014/main" id="{9AF136D1-DD6E-F941-BA7F-3D0A475DF632}"/>
+                <a16:creationId xmlns:a16="http://schemas.microsoft.com/office/drawing/2014/main" id="{AF968780-9AE6-635F-305A-4F6FEEB6DEFC}"/>
               </a:ext>
             </a:extLst>
           </p:cNvPr>
@@ -6173,15 +6173,16 @@
           </p:cNvPicPr>
           <p:nvPr/>
         </p:nvPicPr>
-        <p:blipFill rotWithShape="1">
+        <p:blipFill>
           <a:blip r:embed="rId2"/>
-          <a:srcRect r="764"/>
-          <a:stretch/>
+          <a:stretch>
+            <a:fillRect/>
+          </a:stretch>
         </p:blipFill>
         <p:spPr>
           <a:xfrm>
-            <a:off x="7204151" y="2259106"/>
-            <a:ext cx="6658927" cy="5297534"/>
+            <a:off x="6864513" y="1226836"/>
+            <a:ext cx="7772400" cy="6191572"/>
           </a:xfrm>
           <a:prstGeom prst="rect">
             <a:avLst/>
@@ -6190,10 +6191,10 @@
       </p:pic>
       <p:pic>
         <p:nvPicPr>
-          <p:cNvPr id="7" name="Picture 6" descr="Text&#10;&#10;Description automatically generated with medium confidence">
+          <p:cNvPr id="6" name="Picture 5" descr="A picture containing chart&#10;&#10;Description automatically generated">
             <a:extLst>
               <a:ext uri="{FF2B5EF4-FFF2-40B4-BE49-F238E27FC236}">
-                <a16:creationId xmlns:a16="http://schemas.microsoft.com/office/drawing/2014/main" id="{BDD42FD7-58EB-7FFF-2FAA-55BBE7E2E824}"/>
+                <a16:creationId xmlns:a16="http://schemas.microsoft.com/office/drawing/2014/main" id="{644C4195-D5FF-5B64-D0FD-55157AEDD837}"/>
               </a:ext>
             </a:extLst>
           </p:cNvPr>
@@ -6210,8 +6211,38 @@
         </p:blipFill>
         <p:spPr>
           <a:xfrm>
-            <a:off x="7421250" y="7556640"/>
-            <a:ext cx="6658927" cy="1766654"/>
+            <a:off x="7156613" y="8468027"/>
+            <a:ext cx="7480300" cy="2184400"/>
+          </a:xfrm>
+          <a:prstGeom prst="rect">
+            <a:avLst/>
+          </a:prstGeom>
+        </p:spPr>
+      </p:pic>
+      <p:pic>
+        <p:nvPicPr>
+          <p:cNvPr id="9" name="Picture 8">
+            <a:extLst>
+              <a:ext uri="{FF2B5EF4-FFF2-40B4-BE49-F238E27FC236}">
+                <a16:creationId xmlns:a16="http://schemas.microsoft.com/office/drawing/2014/main" id="{578E4ABB-A935-4DB6-02F0-FC424629CFB1}"/>
+              </a:ext>
+            </a:extLst>
+          </p:cNvPr>
+          <p:cNvPicPr>
+            <a:picLocks noChangeAspect="1"/>
+          </p:cNvPicPr>
+          <p:nvPr/>
+        </p:nvPicPr>
+        <p:blipFill>
+          <a:blip r:embed="rId4"/>
+          <a:stretch>
+            <a:fillRect/>
+          </a:stretch>
+        </p:blipFill>
+        <p:spPr>
+          <a:xfrm>
+            <a:off x="8105485" y="7606667"/>
+            <a:ext cx="6083300" cy="673100"/>
           </a:xfrm>
           <a:prstGeom prst="rect">
             <a:avLst/>
